--- a/에셋/그래픽 이미지.pptx
+++ b/에셋/그래픽 이미지.pptx
@@ -5,10 +5,11 @@
     <p:sldMasterId id="2147483684" r:id="rId1"/>
   </p:sldMasterIdLst>
   <p:notesMasterIdLst>
-    <p:notesMasterId r:id="rId3"/>
+    <p:notesMasterId r:id="rId4"/>
   </p:notesMasterIdLst>
   <p:sldIdLst>
     <p:sldId id="256" r:id="rId2"/>
+    <p:sldId id="257" r:id="rId3"/>
   </p:sldIdLst>
   <p:sldSz cx="13003213" cy="6350000"/>
   <p:notesSz cx="6858000" cy="9144000"/>
@@ -197,7 +198,7 @@
           <a:p>
             <a:fld id="{69A10F79-B3FC-354D-B0B2-A845CC59C16C}" type="datetimeFigureOut">
               <a:rPr kumimoji="1" lang="ko-Kore-KR" altLang="en-US" smtClean="0"/>
-              <a:t>2022. 7. 11.</a:t>
+              <a:t>2022. 7. 21.</a:t>
             </a:fld>
             <a:endParaRPr kumimoji="1" lang="ko-Kore-KR" altLang="en-US"/>
           </a:p>
@@ -554,6 +555,155 @@
 </p:notes>
 </file>
 
+<file path=ppt/notesSlides/notesSlide2.xml><?xml version="1.0" encoding="utf-8"?>
+<p:notes xmlns:a="http://schemas.openxmlformats.org/drawingml/2006/main" xmlns:r="http://schemas.openxmlformats.org/officeDocument/2006/relationships" xmlns:p="http://schemas.openxmlformats.org/presentationml/2006/main">
+  <p:cSld>
+    <p:spTree>
+      <p:nvGrpSpPr>
+        <p:cNvPr id="1" name=""/>
+        <p:cNvGrpSpPr/>
+        <p:nvPr/>
+      </p:nvGrpSpPr>
+      <p:grpSpPr>
+        <a:xfrm>
+          <a:off x="0" y="0"/>
+          <a:ext cx="0" cy="0"/>
+          <a:chOff x="0" y="0"/>
+          <a:chExt cx="0" cy="0"/>
+        </a:xfrm>
+      </p:grpSpPr>
+      <p:sp>
+        <p:nvSpPr>
+          <p:cNvPr id="2" name="슬라이드 이미지 개체 틀 1"/>
+          <p:cNvSpPr>
+            <a:spLocks noGrp="1" noRot="1" noChangeAspect="1"/>
+          </p:cNvSpPr>
+          <p:nvPr>
+            <p:ph type="sldImg"/>
+          </p:nvPr>
+        </p:nvSpPr>
+        <p:spPr>
+          <a:xfrm>
+            <a:off x="269875" y="1143000"/>
+            <a:ext cx="6318250" cy="3086100"/>
+          </a:xfrm>
+        </p:spPr>
+      </p:sp>
+      <p:sp>
+        <p:nvSpPr>
+          <p:cNvPr id="3" name="슬라이드 노트 개체 틀 2"/>
+          <p:cNvSpPr>
+            <a:spLocks noGrp="1"/>
+          </p:cNvSpPr>
+          <p:nvPr>
+            <p:ph type="body" idx="1"/>
+          </p:nvPr>
+        </p:nvSpPr>
+        <p:spPr/>
+        <p:txBody>
+          <a:bodyPr/>
+          <a:lstStyle/>
+          <a:p>
+            <a:endParaRPr kumimoji="1" lang="ko-Kore-KR" altLang="en-US" dirty="0"/>
+          </a:p>
+        </p:txBody>
+      </p:sp>
+      <p:sp>
+        <p:nvSpPr>
+          <p:cNvPr id="4" name="슬라이드 번호 개체 틀 3"/>
+          <p:cNvSpPr>
+            <a:spLocks noGrp="1"/>
+          </p:cNvSpPr>
+          <p:nvPr>
+            <p:ph type="sldNum" sz="quarter" idx="5"/>
+          </p:nvPr>
+        </p:nvSpPr>
+        <p:spPr/>
+        <p:txBody>
+          <a:bodyPr/>
+          <a:lstStyle/>
+          <a:p>
+            <a:pPr marL="0" marR="0" lvl="0" indent="0" algn="r" defTabSz="457200" rtl="0" eaLnBrk="1" fontAlgn="auto" latinLnBrk="0" hangingPunct="1">
+              <a:lnSpc>
+                <a:spcPct val="100000"/>
+              </a:lnSpc>
+              <a:spcBef>
+                <a:spcPts val="0"/>
+              </a:spcBef>
+              <a:spcAft>
+                <a:spcPts val="0"/>
+              </a:spcAft>
+              <a:buClrTx/>
+              <a:buSzTx/>
+              <a:buFontTx/>
+              <a:buNone/>
+              <a:tabLst/>
+              <a:defRPr/>
+            </a:pPr>
+            <a:fld id="{F92D6071-A6FF-4248-A175-D87146C93B17}" type="slidenum">
+              <a:rPr kumimoji="1" lang="ko-Kore-KR" altLang="en-US" sz="1200" b="0" i="0" u="none" strike="noStrike" kern="1200" cap="none" spc="0" normalizeH="0" baseline="0" noProof="0" smtClean="0">
+                <a:ln>
+                  <a:noFill/>
+                </a:ln>
+                <a:solidFill>
+                  <a:prstClr val="black"/>
+                </a:solidFill>
+                <a:effectLst/>
+                <a:uLnTx/>
+                <a:uFillTx/>
+                <a:latin typeface="Calibri" panose="020F0502020204030204"/>
+                <a:ea typeface="+mn-ea"/>
+                <a:cs typeface="+mn-cs"/>
+              </a:rPr>
+              <a:pPr marL="0" marR="0" lvl="0" indent="0" algn="r" defTabSz="457200" rtl="0" eaLnBrk="1" fontAlgn="auto" latinLnBrk="0" hangingPunct="1">
+                <a:lnSpc>
+                  <a:spcPct val="100000"/>
+                </a:lnSpc>
+                <a:spcBef>
+                  <a:spcPts val="0"/>
+                </a:spcBef>
+                <a:spcAft>
+                  <a:spcPts val="0"/>
+                </a:spcAft>
+                <a:buClrTx/>
+                <a:buSzTx/>
+                <a:buFontTx/>
+                <a:buNone/>
+                <a:tabLst/>
+                <a:defRPr/>
+              </a:pPr>
+              <a:t>2</a:t>
+            </a:fld>
+            <a:endParaRPr kumimoji="1" lang="ko-Kore-KR" altLang="en-US" sz="1200" b="0" i="0" u="none" strike="noStrike" kern="1200" cap="none" spc="0" normalizeH="0" baseline="0" noProof="0">
+              <a:ln>
+                <a:noFill/>
+              </a:ln>
+              <a:solidFill>
+                <a:prstClr val="black"/>
+              </a:solidFill>
+              <a:effectLst/>
+              <a:uLnTx/>
+              <a:uFillTx/>
+              <a:latin typeface="Calibri" panose="020F0502020204030204"/>
+              <a:ea typeface="+mn-ea"/>
+              <a:cs typeface="+mn-cs"/>
+            </a:endParaRPr>
+          </a:p>
+        </p:txBody>
+      </p:sp>
+    </p:spTree>
+    <p:extLst>
+      <p:ext uri="{BB962C8B-B14F-4D97-AF65-F5344CB8AC3E}">
+        <p14:creationId xmlns:p14="http://schemas.microsoft.com/office/powerpoint/2010/main" val="38373166"/>
+      </p:ext>
+    </p:extLst>
+  </p:cSld>
+  <p:clrMapOvr>
+    <a:masterClrMapping/>
+  </p:clrMapOvr>
+</p:notes>
+</file>
+
 <file path=ppt/slideLayouts/slideLayout1.xml><?xml version="1.0" encoding="utf-8"?>
 <p:sldLayout xmlns:a="http://schemas.openxmlformats.org/drawingml/2006/main" xmlns:r="http://schemas.openxmlformats.org/officeDocument/2006/relationships" xmlns:p="http://schemas.openxmlformats.org/presentationml/2006/main" type="title" preserve="1">
   <p:cSld name="제목 슬라이드">
@@ -685,7 +835,7 @@
           <a:p>
             <a:fld id="{9D7666CF-921F-0647-BA3A-AA71C0FD6CC6}" type="datetimeFigureOut">
               <a:rPr kumimoji="1" lang="ko-Kore-KR" altLang="en-US" smtClean="0"/>
-              <a:t>2022. 7. 11.</a:t>
+              <a:t>2022. 7. 21.</a:t>
             </a:fld>
             <a:endParaRPr kumimoji="1" lang="ko-Kore-KR" altLang="en-US"/>
           </a:p>
@@ -855,7 +1005,7 @@
           <a:p>
             <a:fld id="{9D7666CF-921F-0647-BA3A-AA71C0FD6CC6}" type="datetimeFigureOut">
               <a:rPr kumimoji="1" lang="ko-Kore-KR" altLang="en-US" smtClean="0"/>
-              <a:t>2022. 7. 11.</a:t>
+              <a:t>2022. 7. 21.</a:t>
             </a:fld>
             <a:endParaRPr kumimoji="1" lang="ko-Kore-KR" altLang="en-US"/>
           </a:p>
@@ -1035,7 +1185,7 @@
           <a:p>
             <a:fld id="{9D7666CF-921F-0647-BA3A-AA71C0FD6CC6}" type="datetimeFigureOut">
               <a:rPr kumimoji="1" lang="ko-Kore-KR" altLang="en-US" smtClean="0"/>
-              <a:t>2022. 7. 11.</a:t>
+              <a:t>2022. 7. 21.</a:t>
             </a:fld>
             <a:endParaRPr kumimoji="1" lang="ko-Kore-KR" altLang="en-US"/>
           </a:p>
@@ -1205,7 +1355,7 @@
           <a:p>
             <a:fld id="{9D7666CF-921F-0647-BA3A-AA71C0FD6CC6}" type="datetimeFigureOut">
               <a:rPr kumimoji="1" lang="ko-Kore-KR" altLang="en-US" smtClean="0"/>
-              <a:t>2022. 7. 11.</a:t>
+              <a:t>2022. 7. 21.</a:t>
             </a:fld>
             <a:endParaRPr kumimoji="1" lang="ko-Kore-KR" altLang="en-US"/>
           </a:p>
@@ -1451,7 +1601,7 @@
           <a:p>
             <a:fld id="{9D7666CF-921F-0647-BA3A-AA71C0FD6CC6}" type="datetimeFigureOut">
               <a:rPr kumimoji="1" lang="ko-Kore-KR" altLang="en-US" smtClean="0"/>
-              <a:t>2022. 7. 11.</a:t>
+              <a:t>2022. 7. 21.</a:t>
             </a:fld>
             <a:endParaRPr kumimoji="1" lang="ko-Kore-KR" altLang="en-US"/>
           </a:p>
@@ -1683,7 +1833,7 @@
           <a:p>
             <a:fld id="{9D7666CF-921F-0647-BA3A-AA71C0FD6CC6}" type="datetimeFigureOut">
               <a:rPr kumimoji="1" lang="ko-Kore-KR" altLang="en-US" smtClean="0"/>
-              <a:t>2022. 7. 11.</a:t>
+              <a:t>2022. 7. 21.</a:t>
             </a:fld>
             <a:endParaRPr kumimoji="1" lang="ko-Kore-KR" altLang="en-US"/>
           </a:p>
@@ -2050,7 +2200,7 @@
           <a:p>
             <a:fld id="{9D7666CF-921F-0647-BA3A-AA71C0FD6CC6}" type="datetimeFigureOut">
               <a:rPr kumimoji="1" lang="ko-Kore-KR" altLang="en-US" smtClean="0"/>
-              <a:t>2022. 7. 11.</a:t>
+              <a:t>2022. 7. 21.</a:t>
             </a:fld>
             <a:endParaRPr kumimoji="1" lang="ko-Kore-KR" altLang="en-US"/>
           </a:p>
@@ -2168,7 +2318,7 @@
           <a:p>
             <a:fld id="{9D7666CF-921F-0647-BA3A-AA71C0FD6CC6}" type="datetimeFigureOut">
               <a:rPr kumimoji="1" lang="ko-Kore-KR" altLang="en-US" smtClean="0"/>
-              <a:t>2022. 7. 11.</a:t>
+              <a:t>2022. 7. 21.</a:t>
             </a:fld>
             <a:endParaRPr kumimoji="1" lang="ko-Kore-KR" altLang="en-US"/>
           </a:p>
@@ -2263,7 +2413,7 @@
           <a:p>
             <a:fld id="{9D7666CF-921F-0647-BA3A-AA71C0FD6CC6}" type="datetimeFigureOut">
               <a:rPr kumimoji="1" lang="ko-Kore-KR" altLang="en-US" smtClean="0"/>
-              <a:t>2022. 7. 11.</a:t>
+              <a:t>2022. 7. 21.</a:t>
             </a:fld>
             <a:endParaRPr kumimoji="1" lang="ko-Kore-KR" altLang="en-US"/>
           </a:p>
@@ -2540,7 +2690,7 @@
           <a:p>
             <a:fld id="{9D7666CF-921F-0647-BA3A-AA71C0FD6CC6}" type="datetimeFigureOut">
               <a:rPr kumimoji="1" lang="ko-Kore-KR" altLang="en-US" smtClean="0"/>
-              <a:t>2022. 7. 11.</a:t>
+              <a:t>2022. 7. 21.</a:t>
             </a:fld>
             <a:endParaRPr kumimoji="1" lang="ko-Kore-KR" altLang="en-US"/>
           </a:p>
@@ -2797,7 +2947,7 @@
           <a:p>
             <a:fld id="{9D7666CF-921F-0647-BA3A-AA71C0FD6CC6}" type="datetimeFigureOut">
               <a:rPr kumimoji="1" lang="ko-Kore-KR" altLang="en-US" smtClean="0"/>
-              <a:t>2022. 7. 11.</a:t>
+              <a:t>2022. 7. 21.</a:t>
             </a:fld>
             <a:endParaRPr kumimoji="1" lang="ko-Kore-KR" altLang="en-US"/>
           </a:p>
@@ -3010,7 +3160,7 @@
           <a:p>
             <a:fld id="{9D7666CF-921F-0647-BA3A-AA71C0FD6CC6}" type="datetimeFigureOut">
               <a:rPr kumimoji="1" lang="ko-Kore-KR" altLang="en-US" smtClean="0"/>
-              <a:t>2022. 7. 11.</a:t>
+              <a:t>2022. 7. 21.</a:t>
             </a:fld>
             <a:endParaRPr kumimoji="1" lang="ko-Kore-KR" altLang="en-US"/>
           </a:p>
@@ -4119,6 +4269,90 @@
               <a:gd name="connsiteY12" fmla="*/ 326557 h 3268363"/>
               <a:gd name="connsiteX13" fmla="*/ 3571714 w 16322764"/>
               <a:gd name="connsiteY13" fmla="*/ 7014 h 3268363"/>
+              <a:gd name="connsiteX0" fmla="*/ 3571714 w 16322764"/>
+              <a:gd name="connsiteY0" fmla="*/ 7014 h 3268363"/>
+              <a:gd name="connsiteX1" fmla="*/ 12191848 w 16322764"/>
+              <a:gd name="connsiteY1" fmla="*/ 0 h 3268363"/>
+              <a:gd name="connsiteX2" fmla="*/ 16322764 w 16322764"/>
+              <a:gd name="connsiteY2" fmla="*/ 3268363 h 3268363"/>
+              <a:gd name="connsiteX3" fmla="*/ 929255 w 16322764"/>
+              <a:gd name="connsiteY3" fmla="*/ 3235867 h 3268363"/>
+              <a:gd name="connsiteX4" fmla="*/ 0 w 16322764"/>
+              <a:gd name="connsiteY4" fmla="*/ 2373985 h 3268363"/>
+              <a:gd name="connsiteX5" fmla="*/ 532829 w 16322764"/>
+              <a:gd name="connsiteY5" fmla="*/ 1737987 h 3268363"/>
+              <a:gd name="connsiteX6" fmla="*/ 1419373 w 16322764"/>
+              <a:gd name="connsiteY6" fmla="*/ 1729303 h 3268363"/>
+              <a:gd name="connsiteX7" fmla="*/ 1861904 w 16322764"/>
+              <a:gd name="connsiteY7" fmla="*/ 1394457 h 3268363"/>
+              <a:gd name="connsiteX8" fmla="*/ 2753945 w 16322764"/>
+              <a:gd name="connsiteY8" fmla="*/ 1491948 h 3268363"/>
+              <a:gd name="connsiteX9" fmla="*/ 2448616 w 16322764"/>
+              <a:gd name="connsiteY9" fmla="*/ 1153058 h 3268363"/>
+              <a:gd name="connsiteX10" fmla="*/ 2791867 w 16322764"/>
+              <a:gd name="connsiteY10" fmla="*/ 587061 h 3268363"/>
+              <a:gd name="connsiteX11" fmla="*/ 3292222 w 16322764"/>
+              <a:gd name="connsiteY11" fmla="*/ 652160 h 3268363"/>
+              <a:gd name="connsiteX12" fmla="*/ 3289281 w 16322764"/>
+              <a:gd name="connsiteY12" fmla="*/ 326557 h 3268363"/>
+              <a:gd name="connsiteX13" fmla="*/ 3571714 w 16322764"/>
+              <a:gd name="connsiteY13" fmla="*/ 7014 h 3268363"/>
+              <a:gd name="connsiteX0" fmla="*/ 3571714 w 16322764"/>
+              <a:gd name="connsiteY0" fmla="*/ 7014 h 3268363"/>
+              <a:gd name="connsiteX1" fmla="*/ 12191848 w 16322764"/>
+              <a:gd name="connsiteY1" fmla="*/ 0 h 3268363"/>
+              <a:gd name="connsiteX2" fmla="*/ 16322764 w 16322764"/>
+              <a:gd name="connsiteY2" fmla="*/ 3268363 h 3268363"/>
+              <a:gd name="connsiteX3" fmla="*/ 929255 w 16322764"/>
+              <a:gd name="connsiteY3" fmla="*/ 3235867 h 3268363"/>
+              <a:gd name="connsiteX4" fmla="*/ 0 w 16322764"/>
+              <a:gd name="connsiteY4" fmla="*/ 2373985 h 3268363"/>
+              <a:gd name="connsiteX5" fmla="*/ 532829 w 16322764"/>
+              <a:gd name="connsiteY5" fmla="*/ 1737987 h 3268363"/>
+              <a:gd name="connsiteX6" fmla="*/ 1419373 w 16322764"/>
+              <a:gd name="connsiteY6" fmla="*/ 1729303 h 3268363"/>
+              <a:gd name="connsiteX7" fmla="*/ 1861904 w 16322764"/>
+              <a:gd name="connsiteY7" fmla="*/ 1394457 h 3268363"/>
+              <a:gd name="connsiteX8" fmla="*/ 2708304 w 16322764"/>
+              <a:gd name="connsiteY8" fmla="*/ 1385776 h 3268363"/>
+              <a:gd name="connsiteX9" fmla="*/ 2448616 w 16322764"/>
+              <a:gd name="connsiteY9" fmla="*/ 1153058 h 3268363"/>
+              <a:gd name="connsiteX10" fmla="*/ 2791867 w 16322764"/>
+              <a:gd name="connsiteY10" fmla="*/ 587061 h 3268363"/>
+              <a:gd name="connsiteX11" fmla="*/ 3292222 w 16322764"/>
+              <a:gd name="connsiteY11" fmla="*/ 652160 h 3268363"/>
+              <a:gd name="connsiteX12" fmla="*/ 3289281 w 16322764"/>
+              <a:gd name="connsiteY12" fmla="*/ 326557 h 3268363"/>
+              <a:gd name="connsiteX13" fmla="*/ 3571714 w 16322764"/>
+              <a:gd name="connsiteY13" fmla="*/ 7014 h 3268363"/>
+              <a:gd name="connsiteX0" fmla="*/ 3571714 w 16322764"/>
+              <a:gd name="connsiteY0" fmla="*/ 7014 h 3268363"/>
+              <a:gd name="connsiteX1" fmla="*/ 12191848 w 16322764"/>
+              <a:gd name="connsiteY1" fmla="*/ 0 h 3268363"/>
+              <a:gd name="connsiteX2" fmla="*/ 16322764 w 16322764"/>
+              <a:gd name="connsiteY2" fmla="*/ 3268363 h 3268363"/>
+              <a:gd name="connsiteX3" fmla="*/ 929255 w 16322764"/>
+              <a:gd name="connsiteY3" fmla="*/ 3235867 h 3268363"/>
+              <a:gd name="connsiteX4" fmla="*/ 0 w 16322764"/>
+              <a:gd name="connsiteY4" fmla="*/ 2373985 h 3268363"/>
+              <a:gd name="connsiteX5" fmla="*/ 532829 w 16322764"/>
+              <a:gd name="connsiteY5" fmla="*/ 1737987 h 3268363"/>
+              <a:gd name="connsiteX6" fmla="*/ 1419373 w 16322764"/>
+              <a:gd name="connsiteY6" fmla="*/ 1729303 h 3268363"/>
+              <a:gd name="connsiteX7" fmla="*/ 1861904 w 16322764"/>
+              <a:gd name="connsiteY7" fmla="*/ 1394457 h 3268363"/>
+              <a:gd name="connsiteX8" fmla="*/ 2708304 w 16322764"/>
+              <a:gd name="connsiteY8" fmla="*/ 1385776 h 3268363"/>
+              <a:gd name="connsiteX9" fmla="*/ 2448616 w 16322764"/>
+              <a:gd name="connsiteY9" fmla="*/ 1153058 h 3268363"/>
+              <a:gd name="connsiteX10" fmla="*/ 2791867 w 16322764"/>
+              <a:gd name="connsiteY10" fmla="*/ 587061 h 3268363"/>
+              <a:gd name="connsiteX11" fmla="*/ 3299829 w 16322764"/>
+              <a:gd name="connsiteY11" fmla="*/ 563682 h 3268363"/>
+              <a:gd name="connsiteX12" fmla="*/ 3289281 w 16322764"/>
+              <a:gd name="connsiteY12" fmla="*/ 326557 h 3268363"/>
+              <a:gd name="connsiteX13" fmla="*/ 3571714 w 16322764"/>
+              <a:gd name="connsiteY13" fmla="*/ 7014 h 3268363"/>
             </a:gdLst>
             <a:ahLst/>
             <a:cxnLst>
@@ -4187,13 +4421,13 @@
                   <a:pt x="532829" y="1737987"/>
                 </a:lnTo>
                 <a:lnTo>
-                  <a:pt x="1388946" y="1835476"/>
+                  <a:pt x="1419373" y="1729303"/>
                 </a:lnTo>
                 <a:lnTo>
                   <a:pt x="1861904" y="1394457"/>
                 </a:lnTo>
                 <a:lnTo>
-                  <a:pt x="2753945" y="1491948"/>
+                  <a:pt x="2708304" y="1385776"/>
                 </a:lnTo>
                 <a:lnTo>
                   <a:pt x="2448616" y="1153058"/>
@@ -4202,10 +4436,10 @@
                   <a:pt x="2791867" y="587061"/>
                 </a:lnTo>
                 <a:lnTo>
-                  <a:pt x="3292222" y="652160"/>
+                  <a:pt x="3299829" y="563682"/>
                 </a:lnTo>
                 <a:cubicBezTo>
-                  <a:pt x="3291242" y="543626"/>
+                  <a:pt x="3298849" y="455148"/>
                   <a:pt x="3290261" y="435091"/>
                   <a:pt x="3289281" y="326557"/>
                 </a:cubicBezTo>
@@ -4220,7 +4454,7 @@
             <a:gsLst>
               <a:gs pos="0">
                 <a:schemeClr val="tx1">
-                  <a:alpha val="22393"/>
+                  <a:alpha val="7000"/>
                 </a:schemeClr>
               </a:gs>
               <a:gs pos="100000">
@@ -4504,7 +4738,7 @@
             <a:gsLst>
               <a:gs pos="0">
                 <a:schemeClr val="tx1">
-                  <a:alpha val="22393"/>
+                  <a:alpha val="7000"/>
                 </a:schemeClr>
               </a:gs>
               <a:gs pos="100000">
@@ -4581,9 +4815,9 @@
                   <a:schemeClr val="bg1"/>
                 </a:solidFill>
                 <a:effectLst>
-                  <a:outerShdw blurRad="122403" dist="99757" dir="2700000" algn="tl" rotWithShape="0">
+                  <a:outerShdw blurRad="88900" dist="50800" dir="5400000" algn="tl" rotWithShape="0">
                     <a:prstClr val="black">
-                      <a:alpha val="40000"/>
+                      <a:alpha val="25000"/>
                     </a:prstClr>
                   </a:outerShdw>
                 </a:effectLst>
@@ -4597,9 +4831,9 @@
                 <a:schemeClr val="bg1"/>
               </a:solidFill>
               <a:effectLst>
-                <a:outerShdw blurRad="122403" dist="99757" dir="2700000" algn="tl" rotWithShape="0">
+                <a:outerShdw blurRad="88900" dist="50800" dir="5400000" algn="tl" rotWithShape="0">
                   <a:prstClr val="black">
-                    <a:alpha val="40000"/>
+                    <a:alpha val="25000"/>
                   </a:prstClr>
                 </a:outerShdw>
               </a:effectLst>
@@ -4645,9 +4879,9 @@
                   <a:schemeClr val="bg1"/>
                 </a:solidFill>
                 <a:effectLst>
-                  <a:outerShdw blurRad="122403" dist="99757" dir="2700000" algn="tl" rotWithShape="0">
+                  <a:outerShdw blurRad="88900" dist="50800" dir="5400000" algn="tl" rotWithShape="0">
                     <a:prstClr val="black">
-                      <a:alpha val="40000"/>
+                      <a:alpha val="25000"/>
                     </a:prstClr>
                   </a:outerShdw>
                 </a:effectLst>
@@ -4663,6 +4897,260 @@
     <p:extLst>
       <p:ext uri="{BB962C8B-B14F-4D97-AF65-F5344CB8AC3E}">
         <p14:creationId xmlns:p14="http://schemas.microsoft.com/office/powerpoint/2010/main" val="4119337444"/>
+      </p:ext>
+    </p:extLst>
+  </p:cSld>
+  <p:clrMapOvr>
+    <a:masterClrMapping/>
+  </p:clrMapOvr>
+</p:sld>
+</file>
+
+<file path=ppt/slides/slide2.xml><?xml version="1.0" encoding="utf-8"?>
+<p:sld xmlns:a="http://schemas.openxmlformats.org/drawingml/2006/main" xmlns:r="http://schemas.openxmlformats.org/officeDocument/2006/relationships" xmlns:p="http://schemas.openxmlformats.org/presentationml/2006/main">
+  <p:cSld>
+    <p:bg>
+      <p:bgPr>
+        <a:solidFill>
+          <a:srgbClr val="3DB6ED"/>
+        </a:solidFill>
+        <a:effectLst/>
+      </p:bgPr>
+    </p:bg>
+    <p:spTree>
+      <p:nvGrpSpPr>
+        <p:cNvPr id="1" name=""/>
+        <p:cNvGrpSpPr/>
+        <p:nvPr/>
+      </p:nvGrpSpPr>
+      <p:grpSpPr>
+        <a:xfrm>
+          <a:off x="0" y="0"/>
+          <a:ext cx="0" cy="0"/>
+          <a:chOff x="0" y="0"/>
+          <a:chExt cx="0" cy="0"/>
+        </a:xfrm>
+      </p:grpSpPr>
+      <p:sp>
+        <p:nvSpPr>
+          <p:cNvPr id="2" name="직각 삼각형[R] 1">
+            <a:extLst>
+              <a:ext uri="{FF2B5EF4-FFF2-40B4-BE49-F238E27FC236}">
+                <a16:creationId xmlns:a16="http://schemas.microsoft.com/office/drawing/2014/main" id="{A07E1567-8E56-641E-D694-6B9AD1A5B8DF}"/>
+              </a:ext>
+            </a:extLst>
+          </p:cNvPr>
+          <p:cNvSpPr/>
+          <p:nvPr/>
+        </p:nvSpPr>
+        <p:spPr>
+          <a:xfrm rot="16200000">
+            <a:off x="3326607" y="-3326609"/>
+            <a:ext cx="6350001" cy="13003214"/>
+          </a:xfrm>
+          <a:prstGeom prst="rtTriangle">
+            <a:avLst/>
+          </a:prstGeom>
+          <a:solidFill>
+            <a:srgbClr val="29A9DB"/>
+          </a:solidFill>
+          <a:ln>
+            <a:noFill/>
+          </a:ln>
+        </p:spPr>
+        <p:style>
+          <a:lnRef idx="2">
+            <a:schemeClr val="accent1">
+              <a:shade val="50000"/>
+            </a:schemeClr>
+          </a:lnRef>
+          <a:fillRef idx="1">
+            <a:schemeClr val="accent1"/>
+          </a:fillRef>
+          <a:effectRef idx="0">
+            <a:schemeClr val="accent1"/>
+          </a:effectRef>
+          <a:fontRef idx="minor">
+            <a:schemeClr val="lt1"/>
+          </a:fontRef>
+        </p:style>
+        <p:txBody>
+          <a:bodyPr rtlCol="0" anchor="ctr"/>
+          <a:lstStyle/>
+          <a:p>
+            <a:pPr algn="ctr"/>
+            <a:endParaRPr kumimoji="1" lang="ko-Kore-KR" altLang="en-US"/>
+          </a:p>
+        </p:txBody>
+      </p:sp>
+      <p:sp>
+        <p:nvSpPr>
+          <p:cNvPr id="4" name="TextBox 3">
+            <a:extLst>
+              <a:ext uri="{FF2B5EF4-FFF2-40B4-BE49-F238E27FC236}">
+                <a16:creationId xmlns:a16="http://schemas.microsoft.com/office/drawing/2014/main" id="{E82D89D1-BB60-BDDA-0583-B444E2EB9273}"/>
+              </a:ext>
+            </a:extLst>
+          </p:cNvPr>
+          <p:cNvSpPr txBox="1"/>
+          <p:nvPr/>
+        </p:nvSpPr>
+        <p:spPr>
+          <a:xfrm>
+            <a:off x="5814731" y="1682775"/>
+            <a:ext cx="5743880" cy="3017108"/>
+          </a:xfrm>
+          <a:prstGeom prst="rect">
+            <a:avLst/>
+          </a:prstGeom>
+          <a:noFill/>
+          <a:effectLst/>
+        </p:spPr>
+        <p:txBody>
+          <a:bodyPr wrap="none" rtlCol="0">
+            <a:spAutoFit/>
+          </a:bodyPr>
+          <a:lstStyle/>
+          <a:p>
+            <a:pPr marL="0" marR="0" lvl="0" indent="0" algn="ctr" defTabSz="457200" rtl="0" eaLnBrk="1" fontAlgn="auto" latinLnBrk="0" hangingPunct="1">
+              <a:lnSpc>
+                <a:spcPct val="100000"/>
+              </a:lnSpc>
+              <a:spcBef>
+                <a:spcPts val="0"/>
+              </a:spcBef>
+              <a:spcAft>
+                <a:spcPts val="0"/>
+              </a:spcAft>
+              <a:buClrTx/>
+              <a:buSzTx/>
+              <a:buFontTx/>
+              <a:buNone/>
+              <a:tabLst/>
+              <a:defRPr/>
+            </a:pPr>
+            <a:r>
+              <a:rPr kumimoji="1" lang="en-US" altLang="ko-Kore-KR" sz="19006" b="1" i="0" u="none" strike="noStrike" kern="1200" cap="none" spc="0" normalizeH="0" baseline="0" noProof="0" dirty="0">
+                <a:ln>
+                  <a:noFill/>
+                </a:ln>
+                <a:solidFill>
+                  <a:prstClr val="white"/>
+                </a:solidFill>
+                <a:effectLst>
+                  <a:outerShdw blurRad="88900" dist="50800" dir="5400000" algn="tl" rotWithShape="0">
+                    <a:prstClr val="black">
+                      <a:alpha val="25000"/>
+                    </a:prstClr>
+                  </a:outerShdw>
+                </a:effectLst>
+                <a:uLnTx/>
+                <a:uFillTx/>
+                <a:latin typeface="Atomy Bold" panose="020B0603000000000000" pitchFamily="34" charset="-127"/>
+                <a:ea typeface="Atomy Bold" panose="020B0603000000000000" pitchFamily="34" charset="-127"/>
+                <a:cs typeface="+mn-cs"/>
+              </a:rPr>
+              <a:t>Core</a:t>
+            </a:r>
+            <a:endParaRPr kumimoji="1" lang="ko-Kore-KR" altLang="en-US" sz="19006" b="1" i="0" u="none" strike="noStrike" kern="1200" cap="none" spc="0" normalizeH="0" baseline="0" noProof="0" dirty="0">
+              <a:ln>
+                <a:noFill/>
+              </a:ln>
+              <a:solidFill>
+                <a:prstClr val="white"/>
+              </a:solidFill>
+              <a:effectLst>
+                <a:outerShdw blurRad="88900" dist="50800" dir="5400000" algn="tl" rotWithShape="0">
+                  <a:prstClr val="black">
+                    <a:alpha val="25000"/>
+                  </a:prstClr>
+                </a:outerShdw>
+              </a:effectLst>
+              <a:uLnTx/>
+              <a:uFillTx/>
+              <a:latin typeface="Atomy Bold" panose="020B0603000000000000" pitchFamily="34" charset="-127"/>
+              <a:ea typeface="Atomy Bold" panose="020B0603000000000000" pitchFamily="34" charset="-127"/>
+              <a:cs typeface="+mn-cs"/>
+            </a:endParaRPr>
+          </a:p>
+        </p:txBody>
+      </p:sp>
+      <p:sp>
+        <p:nvSpPr>
+          <p:cNvPr id="12" name="TextBox 11">
+            <a:extLst>
+              <a:ext uri="{FF2B5EF4-FFF2-40B4-BE49-F238E27FC236}">
+                <a16:creationId xmlns:a16="http://schemas.microsoft.com/office/drawing/2014/main" id="{58943F78-E088-59C3-FF83-16968CA58A2B}"/>
+              </a:ext>
+            </a:extLst>
+          </p:cNvPr>
+          <p:cNvSpPr txBox="1"/>
+          <p:nvPr/>
+        </p:nvSpPr>
+        <p:spPr>
+          <a:xfrm>
+            <a:off x="1786451" y="597379"/>
+            <a:ext cx="2715807" cy="5156027"/>
+          </a:xfrm>
+          <a:prstGeom prst="rect">
+            <a:avLst/>
+          </a:prstGeom>
+          <a:noFill/>
+          <a:effectLst/>
+        </p:spPr>
+        <p:txBody>
+          <a:bodyPr wrap="none" rtlCol="0">
+            <a:spAutoFit/>
+          </a:bodyPr>
+          <a:lstStyle/>
+          <a:p>
+            <a:pPr marL="0" marR="0" lvl="0" indent="0" algn="ctr" defTabSz="457200" rtl="0" eaLnBrk="1" fontAlgn="auto" latinLnBrk="0" hangingPunct="1">
+              <a:lnSpc>
+                <a:spcPct val="100000"/>
+              </a:lnSpc>
+              <a:spcBef>
+                <a:spcPts val="0"/>
+              </a:spcBef>
+              <a:spcAft>
+                <a:spcPts val="0"/>
+              </a:spcAft>
+              <a:buClrTx/>
+              <a:buSzTx/>
+              <a:buFontTx/>
+              <a:buNone/>
+              <a:tabLst/>
+              <a:defRPr/>
+            </a:pPr>
+            <a:r>
+              <a:rPr kumimoji="1" lang="en-US" altLang="ko-Kore-KR" sz="32905" b="1" i="0" u="none" strike="noStrike" kern="1200" cap="none" spc="0" normalizeH="0" baseline="0" noProof="0" dirty="0">
+                <a:ln>
+                  <a:noFill/>
+                </a:ln>
+                <a:solidFill>
+                  <a:prstClr val="white"/>
+                </a:solidFill>
+                <a:effectLst>
+                  <a:outerShdw blurRad="88900" dist="50800" dir="5400000" algn="tl" rotWithShape="0">
+                    <a:prstClr val="black">
+                      <a:alpha val="25000"/>
+                    </a:prstClr>
+                  </a:outerShdw>
+                </a:effectLst>
+                <a:uLnTx/>
+                <a:uFillTx/>
+                <a:latin typeface="Atomy Bold" panose="020B0603000000000000" pitchFamily="34" charset="-127"/>
+                <a:ea typeface="Atomy Bold" panose="020B0603000000000000" pitchFamily="34" charset="-127"/>
+                <a:cs typeface="+mn-cs"/>
+              </a:rPr>
+              <a:t>8</a:t>
+            </a:r>
+          </a:p>
+        </p:txBody>
+      </p:sp>
+    </p:spTree>
+    <p:extLst>
+      <p:ext uri="{BB962C8B-B14F-4D97-AF65-F5344CB8AC3E}">
+        <p14:creationId xmlns:p14="http://schemas.microsoft.com/office/powerpoint/2010/main" val="1066423763"/>
       </p:ext>
     </p:extLst>
   </p:cSld>
